--- a/Bai 1/Bài 1 - Tổng quan về hdh Unix.pptx
+++ b/Bai 1/Bài 1 - Tổng quan về hdh Unix.pptx
@@ -227,7 +227,7 @@
           <a:p>
             <a:fld id="{9DF6B2F8-E390-BD4F-9ACD-789C35D23CE3}" type="datetimeFigureOut">
               <a:rPr lang="en-US" smtClean="0"/>
-              <a:t>5/23/2019</a:t>
+              <a:t>2/23/2020</a:t>
             </a:fld>
             <a:endParaRPr lang="en-US"/>
           </a:p>
@@ -393,7 +393,7 @@
           <a:p>
             <a:fld id="{79FF8F81-D7B9-424E-B993-6D09B3871A4E}" type="datetimeFigureOut">
               <a:rPr lang="en-US" smtClean="0"/>
-              <a:t>5/23/2019</a:t>
+              <a:t>2/23/2020</a:t>
             </a:fld>
             <a:endParaRPr lang="en-US"/>
           </a:p>
@@ -3396,16 +3396,6 @@
           <a:bodyPr/>
           <a:lstStyle/>
           <a:p>
-            <a:r>
-              <a:rPr lang="en-US" dirty="0" smtClean="0"/>
-              <a:t>Link: </a:t>
-            </a:r>
-            <a:r>
-              <a:rPr lang="en-US" dirty="0" smtClean="0">
-                <a:hlinkClick r:id="rId3"/>
-              </a:rPr>
-              <a:t>https://en.wikipedia.org/wiki/Unix_shell</a:t>
-            </a:r>
             <a:endParaRPr lang="en-US" dirty="0"/>
           </a:p>
         </p:txBody>
@@ -3609,13 +3599,8 @@
             </a:pPr>
             <a:r>
               <a:rPr lang="en-US" baseline="0" dirty="0" smtClean="0"/>
-              <a:t>	Link: </a:t>
-            </a:r>
-            <a:r>
-              <a:rPr lang="en-US" baseline="0" dirty="0" smtClean="0"/>
-              <a:t>http://man7.org/linux/man-pages/man5/proc.5.html</a:t>
-            </a:r>
-            <a:endParaRPr lang="en-US" baseline="0" dirty="0" smtClean="0"/>
+              <a:t>	Link: http://man7.org/linux/man-pages/man5/proc.5.html</a:t>
+            </a:r>
           </a:p>
           <a:p>
             <a:r>
@@ -3946,7 +3931,7 @@
           <a:p>
             <a:fld id="{7F3FBE28-58BC-4486-9A8E-6C1F0E326EAB}" type="datetime1">
               <a:rPr lang="en-US" smtClean="0"/>
-              <a:t>5/23/2019</a:t>
+              <a:t>2/23/2020</a:t>
             </a:fld>
             <a:endParaRPr lang="en-US"/>
           </a:p>
@@ -4132,7 +4117,7 @@
           <a:p>
             <a:fld id="{AE5B28C3-1882-4E84-9C82-23BA74B52008}" type="datetime1">
               <a:rPr lang="en-US" smtClean="0"/>
-              <a:t>5/23/2019</a:t>
+              <a:t>2/23/2020</a:t>
             </a:fld>
             <a:endParaRPr lang="en-US"/>
           </a:p>
@@ -4316,7 +4301,7 @@
           <a:p>
             <a:fld id="{945B1917-4DD8-41D3-93A0-974B9DFBBCBF}" type="datetime1">
               <a:rPr lang="en-US" smtClean="0"/>
-              <a:t>5/23/2019</a:t>
+              <a:t>2/23/2020</a:t>
             </a:fld>
             <a:endParaRPr lang="en-US"/>
           </a:p>
@@ -4535,7 +4520,7 @@
           <a:p>
             <a:fld id="{403BB6E5-7AA4-4C0D-BF97-BDC69083DBC9}" type="datetime1">
               <a:rPr lang="en-US" smtClean="0"/>
-              <a:t>5/23/2019</a:t>
+              <a:t>2/23/2020</a:t>
             </a:fld>
             <a:endParaRPr lang="en-US"/>
           </a:p>
@@ -4792,7 +4777,7 @@
           <a:p>
             <a:fld id="{5E5BBB4B-2F94-4F11-9AD4-28D0EBD25231}" type="datetime1">
               <a:rPr lang="en-US" smtClean="0"/>
-              <a:t>5/23/2019</a:t>
+              <a:t>2/23/2020</a:t>
             </a:fld>
             <a:endParaRPr lang="en-US"/>
           </a:p>
@@ -5091,7 +5076,7 @@
           <a:p>
             <a:fld id="{B79A5478-161F-4B28-93E5-DE9BF6B2D5E2}" type="datetime1">
               <a:rPr lang="en-US" smtClean="0"/>
-              <a:t>5/23/2019</a:t>
+              <a:t>2/23/2020</a:t>
             </a:fld>
             <a:endParaRPr lang="en-US"/>
           </a:p>
@@ -5529,7 +5514,7 @@
           <a:p>
             <a:fld id="{30E38055-F1C9-4AC4-B9E3-476EF82AD4CC}" type="datetime1">
               <a:rPr lang="en-US" smtClean="0"/>
-              <a:t>5/23/2019</a:t>
+              <a:t>2/23/2020</a:t>
             </a:fld>
             <a:endParaRPr lang="en-US"/>
           </a:p>
@@ -5658,7 +5643,7 @@
           <a:p>
             <a:fld id="{39D9E8B6-A1D4-4191-8D54-A8260B6A1972}" type="datetime1">
               <a:rPr lang="en-US" smtClean="0"/>
-              <a:t>5/23/2019</a:t>
+              <a:t>2/23/2020</a:t>
             </a:fld>
             <a:endParaRPr lang="en-US"/>
           </a:p>
@@ -5764,7 +5749,7 @@
           <a:p>
             <a:fld id="{924C1980-AF69-46D2-A9FE-14E6E6C939BE}" type="datetime1">
               <a:rPr lang="en-US" smtClean="0"/>
-              <a:t>5/23/2019</a:t>
+              <a:t>2/23/2020</a:t>
             </a:fld>
             <a:endParaRPr lang="en-US"/>
           </a:p>
@@ -6035,7 +6020,7 @@
           <a:p>
             <a:fld id="{AAA33C03-0194-466F-B287-AA772F5566B9}" type="datetime1">
               <a:rPr lang="en-US" smtClean="0"/>
-              <a:t>5/23/2019</a:t>
+              <a:t>2/23/2020</a:t>
             </a:fld>
             <a:endParaRPr lang="en-US"/>
           </a:p>
@@ -6266,7 +6251,7 @@
           <a:p>
             <a:fld id="{D31FF56F-D32E-44F3-A5D6-9F4533FAF9BD}" type="datetime1">
               <a:rPr lang="en-US" smtClean="0"/>
-              <a:t>5/23/2019</a:t>
+              <a:t>2/23/2020</a:t>
             </a:fld>
             <a:endParaRPr lang="en-US"/>
           </a:p>
@@ -6513,7 +6498,7 @@
           <a:p>
             <a:fld id="{0289C729-EC9D-4075-8A00-DCB3B3221814}" type="datetime1">
               <a:rPr lang="en-US" smtClean="0"/>
-              <a:t>5/23/2019</a:t>
+              <a:t>2/23/2020</a:t>
             </a:fld>
             <a:endParaRPr lang="en-US"/>
           </a:p>
@@ -7158,6 +7143,13 @@
   <p:clrMapOvr>
     <a:masterClrMapping/>
   </p:clrMapOvr>
+  <p:timing>
+    <p:tnLst>
+      <p:par>
+        <p:cTn id="1" dur="indefinite" restart="never" nodeType="tmRoot"/>
+      </p:par>
+    </p:tnLst>
+  </p:timing>
 </p:sld>
 </file>
 
@@ -7346,9 +7338,10 @@
           <a:lstStyle/>
           <a:p>
             <a:r>
-              <a:rPr lang="en-US" dirty="0"/>
-              <a:t>Shell</a:t>
-            </a:r>
+              <a:rPr lang="en-US" dirty="0" smtClean="0"/>
+              <a:t>Command line</a:t>
+            </a:r>
+            <a:endParaRPr lang="en-US" dirty="0"/>
           </a:p>
         </p:txBody>
       </p:sp>
@@ -7368,129 +7361,148 @@
           <a:lstStyle/>
           <a:p>
             <a:r>
-              <a:rPr lang="en-US" dirty="0" err="1"/>
-              <a:t>Ngôn</a:t>
+              <a:rPr lang="en-US" dirty="0" err="1" smtClean="0"/>
+              <a:t>Khác</a:t>
+            </a:r>
+            <a:r>
+              <a:rPr lang="en-US" dirty="0" smtClean="0"/>
+              <a:t> với Window </a:t>
+            </a:r>
+            <a:r>
+              <a:rPr lang="en-US" dirty="0" err="1" smtClean="0"/>
+              <a:t>nơi</a:t>
             </a:r>
             <a:r>
               <a:rPr lang="en-US" dirty="0"/>
               <a:t> </a:t>
             </a:r>
             <a:r>
-              <a:rPr lang="en-US" dirty="0" err="1"/>
-              <a:t>ngữ</a:t>
-            </a:r>
-            <a:r>
-              <a:rPr lang="en-US" dirty="0"/>
-              <a:t> thông </a:t>
-            </a:r>
-            <a:r>
-              <a:rPr lang="en-US" dirty="0" err="1"/>
-              <a:t>dịch</a:t>
-            </a:r>
-            <a:r>
-              <a:rPr lang="en-US" dirty="0"/>
-              <a:t> và </a:t>
-            </a:r>
-            <a:r>
-              <a:rPr lang="en-US" dirty="0" err="1"/>
-              <a:t>ngôn</a:t>
-            </a:r>
-            <a:r>
-              <a:rPr lang="en-US" dirty="0"/>
-              <a:t> </a:t>
-            </a:r>
-            <a:r>
-              <a:rPr lang="en-US" dirty="0" err="1"/>
-              <a:t>ngữ</a:t>
-            </a:r>
-            <a:r>
-              <a:rPr lang="en-US" dirty="0"/>
-              <a:t> </a:t>
-            </a:r>
-            <a:r>
-              <a:rPr lang="en-US" dirty="0" err="1"/>
-              <a:t>biên</a:t>
-            </a:r>
-            <a:r>
-              <a:rPr lang="en-US" dirty="0"/>
-              <a:t> </a:t>
-            </a:r>
-            <a:r>
-              <a:rPr lang="en-US" dirty="0" err="1" smtClean="0"/>
-              <a:t>dịch</a:t>
+              <a:rPr lang="en-US" dirty="0" smtClean="0"/>
+              <a:t>người dùng </a:t>
+            </a:r>
+            <a:r>
+              <a:rPr lang="en-US" dirty="0" err="1" smtClean="0"/>
+              <a:t>thao</a:t>
+            </a:r>
+            <a:r>
+              <a:rPr lang="en-US" dirty="0" smtClean="0"/>
+              <a:t> tác với </a:t>
+            </a:r>
+            <a:r>
+              <a:rPr lang="en-US" dirty="0" err="1" smtClean="0"/>
+              <a:t>hệ</a:t>
+            </a:r>
+            <a:r>
+              <a:rPr lang="en-US" dirty="0" smtClean="0"/>
+              <a:t> </a:t>
+            </a:r>
+            <a:r>
+              <a:rPr lang="en-US" dirty="0" err="1" smtClean="0"/>
+              <a:t>thống</a:t>
+            </a:r>
+            <a:r>
+              <a:rPr lang="en-US" dirty="0" smtClean="0"/>
+              <a:t> thông qua </a:t>
+            </a:r>
+            <a:r>
+              <a:rPr lang="en-US" dirty="0" err="1" smtClean="0"/>
+              <a:t>chuột</a:t>
+            </a:r>
+            <a:r>
+              <a:rPr lang="en-US" dirty="0" smtClean="0"/>
+              <a:t>. Trên Linux sử dụng 1 </a:t>
+            </a:r>
+            <a:r>
+              <a:rPr lang="en-US" dirty="0" err="1" smtClean="0"/>
+              <a:t>hệ</a:t>
+            </a:r>
+            <a:r>
+              <a:rPr lang="en-US" dirty="0" smtClean="0"/>
+              <a:t> </a:t>
+            </a:r>
+            <a:r>
+              <a:rPr lang="en-US" dirty="0" err="1" smtClean="0"/>
+              <a:t>thống</a:t>
+            </a:r>
+            <a:r>
+              <a:rPr lang="en-US" dirty="0" smtClean="0"/>
+              <a:t> command line.</a:t>
+            </a:r>
+          </a:p>
+          <a:p>
+            <a:r>
+              <a:rPr lang="en-US" dirty="0" err="1" smtClean="0"/>
+              <a:t>Một</a:t>
+            </a:r>
+            <a:r>
+              <a:rPr lang="en-US" dirty="0" smtClean="0"/>
+              <a:t> </a:t>
+            </a:r>
+            <a:r>
+              <a:rPr lang="en-US" dirty="0" err="1" smtClean="0"/>
+              <a:t>vài</a:t>
+            </a:r>
+            <a:r>
+              <a:rPr lang="en-US" dirty="0" smtClean="0"/>
+              <a:t> command line </a:t>
+            </a:r>
+            <a:r>
+              <a:rPr lang="en-US" dirty="0" err="1" smtClean="0"/>
+              <a:t>đơn</a:t>
+            </a:r>
+            <a:r>
+              <a:rPr lang="en-US" dirty="0" smtClean="0"/>
+              <a:t> </a:t>
+            </a:r>
+            <a:r>
+              <a:rPr lang="en-US" dirty="0" err="1" smtClean="0"/>
+              <a:t>giản</a:t>
             </a:r>
             <a:endParaRPr lang="en-US" dirty="0" smtClean="0"/>
           </a:p>
           <a:p>
-            <a:r>
-              <a:rPr lang="vi-VN" dirty="0"/>
-              <a:t>Shell là chương trình được viết bằng C, chuyên dùng để thông dịch các mã nguồn </a:t>
-            </a:r>
-            <a:r>
-              <a:rPr lang="vi-VN" dirty="0" smtClean="0"/>
-              <a:t>khác</a:t>
-            </a:r>
-            <a:endParaRPr lang="en-US" dirty="0" smtClean="0"/>
-          </a:p>
-          <a:p>
-            <a:r>
-              <a:rPr lang="en-US" dirty="0" smtClean="0"/>
-              <a:t>File’s header</a:t>
-            </a:r>
-          </a:p>
-          <a:p>
             <a:pPr lvl="1"/>
             <a:r>
               <a:rPr lang="en-US" dirty="0" smtClean="0"/>
-              <a:t>Linux </a:t>
-            </a:r>
-            <a:r>
-              <a:rPr lang="en-US" dirty="0" err="1" smtClean="0"/>
-              <a:t>lựa</a:t>
-            </a:r>
-            <a:r>
-              <a:rPr lang="en-US" dirty="0" smtClean="0"/>
-              <a:t> </a:t>
-            </a:r>
-            <a:r>
-              <a:rPr lang="en-US" dirty="0" err="1" smtClean="0"/>
-              <a:t>chọn</a:t>
-            </a:r>
-            <a:r>
-              <a:rPr lang="en-US" dirty="0" smtClean="0"/>
-              <a:t> </a:t>
-            </a:r>
-            <a:r>
-              <a:rPr lang="en-US" dirty="0" err="1" smtClean="0"/>
-              <a:t>chương</a:t>
-            </a:r>
-            <a:r>
-              <a:rPr lang="en-US" dirty="0" smtClean="0"/>
-              <a:t> trình thông </a:t>
-            </a:r>
-            <a:r>
-              <a:rPr lang="en-US" dirty="0" err="1" smtClean="0"/>
-              <a:t>dịch</a:t>
-            </a:r>
-            <a:r>
-              <a:rPr lang="en-US" dirty="0" smtClean="0"/>
-              <a:t> </a:t>
-            </a:r>
-            <a:r>
-              <a:rPr lang="en-US" dirty="0" err="1" smtClean="0"/>
-              <a:t>dựa</a:t>
-            </a:r>
-            <a:r>
-              <a:rPr lang="en-US" dirty="0" smtClean="0"/>
-              <a:t> </a:t>
-            </a:r>
-            <a:r>
-              <a:rPr lang="en-US" dirty="0" err="1" smtClean="0"/>
-              <a:t>vào</a:t>
-            </a:r>
-            <a:r>
-              <a:rPr lang="en-US" dirty="0" smtClean="0"/>
-              <a:t> header của file.</a:t>
+              <a:t>Cat, echo.</a:t>
+            </a:r>
+          </a:p>
+          <a:p>
+            <a:pPr lvl="1"/>
+            <a:r>
+              <a:rPr lang="en-US" dirty="0" smtClean="0"/>
+              <a:t>Grep</a:t>
+            </a:r>
+          </a:p>
+          <a:p>
+            <a:pPr lvl="1"/>
+            <a:r>
+              <a:rPr lang="en-US" dirty="0" smtClean="0"/>
+              <a:t>Input, output, command line </a:t>
+            </a:r>
+            <a:r>
+              <a:rPr lang="en-US" dirty="0" err="1" smtClean="0"/>
+              <a:t>kèm</a:t>
+            </a:r>
+            <a:r>
+              <a:rPr lang="en-US" dirty="0" smtClean="0"/>
+              <a:t> </a:t>
+            </a:r>
+            <a:r>
+              <a:rPr lang="en-US" dirty="0" err="1" smtClean="0"/>
+              <a:t>điều</a:t>
+            </a:r>
+            <a:r>
+              <a:rPr lang="en-US" dirty="0" smtClean="0"/>
+              <a:t> </a:t>
+            </a:r>
+            <a:r>
+              <a:rPr lang="en-US" dirty="0" err="1" smtClean="0"/>
+              <a:t>kiện</a:t>
+            </a:r>
+            <a:r>
+              <a:rPr lang="en-US" dirty="0" smtClean="0"/>
+              <a:t>.</a:t>
             </a:r>
           </a:p>
         </p:txBody>
@@ -7551,6 +7563,13 @@
   <p:clrMapOvr>
     <a:masterClrMapping/>
   </p:clrMapOvr>
+  <p:timing>
+    <p:tnLst>
+      <p:par>
+        <p:cTn id="1" dur="indefinite" restart="never" nodeType="tmRoot"/>
+      </p:par>
+    </p:tnLst>
+  </p:timing>
 </p:sld>
 </file>
 
@@ -7606,7 +7625,9 @@
         </p:nvSpPr>
         <p:spPr/>
         <p:txBody>
-          <a:bodyPr/>
+          <a:bodyPr>
+            <a:normAutofit fontScale="92500" lnSpcReduction="10000"/>
+          </a:bodyPr>
           <a:lstStyle/>
           <a:p>
             <a:pPr lvl="0"/>
@@ -7823,6 +7844,41 @@
             <a:r>
               <a:rPr lang="en-US" dirty="0" smtClean="0"/>
               <a:t>?</a:t>
+            </a:r>
+          </a:p>
+          <a:p>
+            <a:pPr lvl="0"/>
+            <a:r>
+              <a:rPr lang="en-US" dirty="0" err="1" smtClean="0"/>
+              <a:t>Viết</a:t>
+            </a:r>
+            <a:r>
+              <a:rPr lang="en-US" dirty="0" smtClean="0"/>
+              <a:t> 1 </a:t>
+            </a:r>
+            <a:r>
+              <a:rPr lang="en-US" dirty="0" err="1" smtClean="0"/>
+              <a:t>chương</a:t>
+            </a:r>
+            <a:r>
+              <a:rPr lang="en-US" dirty="0" smtClean="0"/>
+              <a:t> trình hello world </a:t>
+            </a:r>
+            <a:r>
+              <a:rPr lang="en-US" dirty="0" err="1" smtClean="0"/>
+              <a:t>đơn</a:t>
+            </a:r>
+            <a:r>
+              <a:rPr lang="en-US" dirty="0" smtClean="0"/>
+              <a:t> </a:t>
+            </a:r>
+            <a:r>
+              <a:rPr lang="en-US" dirty="0" err="1" smtClean="0"/>
+              <a:t>giản</a:t>
+            </a:r>
+            <a:r>
+              <a:rPr lang="en-US" dirty="0" smtClean="0"/>
+              <a:t>.</a:t>
             </a:r>
             <a:endParaRPr lang="en-US" dirty="0"/>
           </a:p>
@@ -7838,6 +7894,13 @@
   <p:clrMapOvr>
     <a:masterClrMapping/>
   </p:clrMapOvr>
+  <p:timing>
+    <p:tnLst>
+      <p:par>
+        <p:cTn id="1" dur="indefinite" restart="never" nodeType="tmRoot"/>
+      </p:par>
+    </p:tnLst>
+  </p:timing>
 </p:sld>
 </file>
 
@@ -8038,7 +8101,6 @@
               <a:rPr lang="en-US" dirty="0" smtClean="0"/>
               <a:t>.</a:t>
             </a:r>
-            <a:endParaRPr lang="en-US" dirty="0" smtClean="0"/>
           </a:p>
         </p:txBody>
       </p:sp>
@@ -8052,6 +8114,13 @@
   <p:clrMapOvr>
     <a:masterClrMapping/>
   </p:clrMapOvr>
+  <p:timing>
+    <p:tnLst>
+      <p:par>
+        <p:cTn id="1" dur="indefinite" restart="never" nodeType="tmRoot"/>
+      </p:par>
+    </p:tnLst>
+  </p:timing>
 </p:sld>
 </file>
 
@@ -8267,8 +8336,13 @@
             </a:r>
             <a:r>
               <a:rPr lang="en-US" dirty="0" smtClean="0"/>
-              <a:t> real time.</a:t>
-            </a:r>
+              <a:t> real </a:t>
+            </a:r>
+            <a:r>
+              <a:rPr lang="en-US" dirty="0" smtClean="0"/>
+              <a:t>time.</a:t>
+            </a:r>
+            <a:endParaRPr lang="en-US" dirty="0" smtClean="0"/>
           </a:p>
         </p:txBody>
       </p:sp>
@@ -8769,11 +8843,7 @@
             </a:r>
             <a:r>
               <a:rPr lang="en-US" dirty="0" smtClean="0"/>
-              <a:t> </a:t>
-            </a:r>
-            <a:r>
-              <a:rPr lang="en-US" dirty="0" smtClean="0"/>
-              <a:t>các </a:t>
+              <a:t> các </a:t>
             </a:r>
             <a:r>
               <a:rPr lang="en-US" dirty="0" err="1" smtClean="0"/>
@@ -8791,7 +8861,6 @@
               <a:rPr lang="en-US" dirty="0" smtClean="0"/>
               <a:t> của HĐH Unix.</a:t>
             </a:r>
-            <a:endParaRPr lang="en-US" dirty="0" smtClean="0"/>
           </a:p>
           <a:p>
             <a:r>
@@ -8820,11 +8889,7 @@
             </a:r>
             <a:r>
               <a:rPr lang="en-US" dirty="0" smtClean="0"/>
-              <a:t> trình trên </a:t>
-            </a:r>
-            <a:r>
-              <a:rPr lang="en-US" dirty="0" smtClean="0"/>
-              <a:t>Linux.</a:t>
+              <a:t> trình trên Linux.</a:t>
             </a:r>
             <a:endParaRPr lang="en-US" dirty="0"/>
           </a:p>
@@ -8886,6 +8951,13 @@
   <p:clrMapOvr>
     <a:masterClrMapping/>
   </p:clrMapOvr>
+  <p:timing>
+    <p:tnLst>
+      <p:par>
+        <p:cTn id="1" dur="indefinite" restart="never" nodeType="tmRoot"/>
+      </p:par>
+    </p:tnLst>
+  </p:timing>
 </p:sld>
 </file>
 
@@ -9060,7 +9132,6 @@
               <a:rPr lang="en-US" dirty="0" smtClean="0"/>
               <a:t>.</a:t>
             </a:r>
-            <a:endParaRPr lang="en-US" dirty="0" smtClean="0"/>
           </a:p>
           <a:p>
             <a:r>
@@ -9099,11 +9170,7 @@
             </a:r>
             <a:r>
               <a:rPr lang="en-US" dirty="0" smtClean="0"/>
-              <a:t> học: </a:t>
-            </a:r>
-            <a:r>
-              <a:rPr lang="en-US" dirty="0" smtClean="0"/>
-              <a:t>60h / 20 </a:t>
+              <a:t> học: 60h / 20 </a:t>
             </a:r>
             <a:r>
               <a:rPr lang="en-US" dirty="0" err="1" smtClean="0"/>
@@ -9127,6 +9194,13 @@
   <p:clrMapOvr>
     <a:masterClrMapping/>
   </p:clrMapOvr>
+  <p:timing>
+    <p:tnLst>
+      <p:par>
+        <p:cTn id="1" dur="indefinite" restart="never" nodeType="tmRoot"/>
+      </p:par>
+    </p:tnLst>
+  </p:timing>
 </p:sld>
 </file>
 
@@ -9339,6 +9413,13 @@
   <p:clrMapOvr>
     <a:masterClrMapping/>
   </p:clrMapOvr>
+  <p:timing>
+    <p:tnLst>
+      <p:par>
+        <p:cTn id="1" dur="indefinite" restart="never" nodeType="tmRoot"/>
+      </p:par>
+    </p:tnLst>
+  </p:timing>
 </p:sld>
 </file>
 
@@ -9434,6 +9515,13 @@
   <p:clrMapOvr>
     <a:masterClrMapping/>
   </p:clrMapOvr>
+  <p:timing>
+    <p:tnLst>
+      <p:par>
+        <p:cTn id="1" dur="indefinite" restart="never" nodeType="tmRoot"/>
+      </p:par>
+    </p:tnLst>
+  </p:timing>
 </p:sld>
 </file>
 
@@ -9513,6 +9601,13 @@
   <p:clrMapOvr>
     <a:masterClrMapping/>
   </p:clrMapOvr>
+  <p:timing>
+    <p:tnLst>
+      <p:par>
+        <p:cTn id="1" dur="indefinite" restart="never" nodeType="tmRoot"/>
+      </p:par>
+    </p:tnLst>
+  </p:timing>
 </p:sld>
 </file>
 
@@ -9727,6 +9822,13 @@
   <p:clrMapOvr>
     <a:masterClrMapping/>
   </p:clrMapOvr>
+  <p:timing>
+    <p:tnLst>
+      <p:par>
+        <p:cTn id="1" dur="indefinite" restart="never" nodeType="tmRoot"/>
+      </p:par>
+    </p:tnLst>
+  </p:timing>
 </p:sld>
 </file>
 
@@ -9871,6 +9973,13 @@
   <p:clrMapOvr>
     <a:masterClrMapping/>
   </p:clrMapOvr>
+  <p:timing>
+    <p:tnLst>
+      <p:par>
+        <p:cTn id="1" dur="indefinite" restart="never" nodeType="tmRoot"/>
+      </p:par>
+    </p:tnLst>
+  </p:timing>
 </p:sld>
 </file>
 
@@ -9972,6 +10081,13 @@
   <p:clrMapOvr>
     <a:masterClrMapping/>
   </p:clrMapOvr>
+  <p:timing>
+    <p:tnLst>
+      <p:par>
+        <p:cTn id="1" dur="indefinite" restart="never" nodeType="tmRoot"/>
+      </p:par>
+    </p:tnLst>
+  </p:timing>
 </p:sld>
 </file>
 
